--- a/ppt 16-9/0290.复兴你工作主.pptx
+++ b/ppt 16-9/0290.复兴你工作主.pptx
@@ -5,7 +5,7 @@
     <p:sldMasterId id="2147483648" r:id="rId1"/>
   </p:sldMasterIdLst>
   <p:sldIdLst>
-    <p:sldId id="3161" r:id="rId2"/>
+    <p:sldId id="3163" r:id="rId2"/>
   </p:sldIdLst>
   <p:sldSz cx="12192000" cy="6858000"/>
   <p:notesSz cx="6858000" cy="9144000"/>
@@ -129,7 +129,7 @@
           <p:cNvPr id="2" name="标题 1">
             <a:extLst>
               <a:ext uri="{FF2B5EF4-FFF2-40B4-BE49-F238E27FC236}">
-                <a16:creationId xmlns:a16="http://schemas.microsoft.com/office/drawing/2014/main" id="{6210A168-DE7C-8173-CA7B-D557191AB674}"/>
+                <a16:creationId xmlns:a16="http://schemas.microsoft.com/office/drawing/2014/main" id="{64843061-D5A8-0C05-A48A-66B55F8514ED}"/>
               </a:ext>
             </a:extLst>
           </p:cNvPr>
@@ -166,7 +166,7 @@
           <p:cNvPr id="3" name="副标题 2">
             <a:extLst>
               <a:ext uri="{FF2B5EF4-FFF2-40B4-BE49-F238E27FC236}">
-                <a16:creationId xmlns:a16="http://schemas.microsoft.com/office/drawing/2014/main" id="{897C2327-BAA8-903B-EB14-C54CEE14B3DE}"/>
+                <a16:creationId xmlns:a16="http://schemas.microsoft.com/office/drawing/2014/main" id="{70FB0D3C-046F-5C99-E990-F0122EAC747F}"/>
               </a:ext>
             </a:extLst>
           </p:cNvPr>
@@ -236,7 +236,7 @@
           <p:cNvPr id="4" name="日期占位符 3">
             <a:extLst>
               <a:ext uri="{FF2B5EF4-FFF2-40B4-BE49-F238E27FC236}">
-                <a16:creationId xmlns:a16="http://schemas.microsoft.com/office/drawing/2014/main" id="{D5000236-CA7B-A066-F535-BD0AB753BB7D}"/>
+                <a16:creationId xmlns:a16="http://schemas.microsoft.com/office/drawing/2014/main" id="{27720EFA-1DCA-3A60-9C42-EBA24FDFC436}"/>
               </a:ext>
             </a:extLst>
           </p:cNvPr>
@@ -252,7 +252,7 @@
           <a:bodyPr/>
           <a:lstStyle/>
           <a:p>
-            <a:fld id="{2DBB22E8-62F7-43DC-BCED-150621B028C6}" type="datetimeFigureOut">
+            <a:fld id="{184E7727-B3E3-4024-A683-E7F88A2D4B65}" type="datetimeFigureOut">
               <a:rPr lang="zh-CN" altLang="en-US" smtClean="0"/>
               <a:t>2024/3/10</a:t>
             </a:fld>
@@ -265,7 +265,7 @@
           <p:cNvPr id="5" name="页脚占位符 4">
             <a:extLst>
               <a:ext uri="{FF2B5EF4-FFF2-40B4-BE49-F238E27FC236}">
-                <a16:creationId xmlns:a16="http://schemas.microsoft.com/office/drawing/2014/main" id="{B0D54D79-E4A0-DD87-33F2-74DD13997D25}"/>
+                <a16:creationId xmlns:a16="http://schemas.microsoft.com/office/drawing/2014/main" id="{345955D2-CEE3-3823-D3B5-9700F9BF2AAB}"/>
               </a:ext>
             </a:extLst>
           </p:cNvPr>
@@ -290,7 +290,7 @@
           <p:cNvPr id="6" name="灯片编号占位符 5">
             <a:extLst>
               <a:ext uri="{FF2B5EF4-FFF2-40B4-BE49-F238E27FC236}">
-                <a16:creationId xmlns:a16="http://schemas.microsoft.com/office/drawing/2014/main" id="{686EA574-F041-CAB5-DA83-085D0820C5E6}"/>
+                <a16:creationId xmlns:a16="http://schemas.microsoft.com/office/drawing/2014/main" id="{ADCC309F-4978-3C2C-C414-1F72EA3748E8}"/>
               </a:ext>
             </a:extLst>
           </p:cNvPr>
@@ -306,7 +306,7 @@
           <a:bodyPr/>
           <a:lstStyle/>
           <a:p>
-            <a:fld id="{275FA975-DADD-4D11-8DD2-30C14DA7F402}" type="slidenum">
+            <a:fld id="{BF330A40-5360-494A-82E8-57E8CB731579}" type="slidenum">
               <a:rPr lang="zh-CN" altLang="en-US" smtClean="0"/>
               <a:t>‹#›</a:t>
             </a:fld>
@@ -317,7 +317,7 @@
     </p:spTree>
     <p:extLst>
       <p:ext uri="{BB962C8B-B14F-4D97-AF65-F5344CB8AC3E}">
-        <p14:creationId xmlns:p14="http://schemas.microsoft.com/office/powerpoint/2010/main" val="273514257"/>
+        <p14:creationId xmlns:p14="http://schemas.microsoft.com/office/powerpoint/2010/main" val="2777057548"/>
       </p:ext>
     </p:extLst>
   </p:cSld>
@@ -349,7 +349,7 @@
           <p:cNvPr id="2" name="标题 1">
             <a:extLst>
               <a:ext uri="{FF2B5EF4-FFF2-40B4-BE49-F238E27FC236}">
-                <a16:creationId xmlns:a16="http://schemas.microsoft.com/office/drawing/2014/main" id="{0172EE9D-852B-EF0E-0EF9-A09C8051ABA1}"/>
+                <a16:creationId xmlns:a16="http://schemas.microsoft.com/office/drawing/2014/main" id="{8ED466BB-0BAA-C686-751B-D91758622C4E}"/>
               </a:ext>
             </a:extLst>
           </p:cNvPr>
@@ -377,7 +377,7 @@
           <p:cNvPr id="3" name="竖排文字占位符 2">
             <a:extLst>
               <a:ext uri="{FF2B5EF4-FFF2-40B4-BE49-F238E27FC236}">
-                <a16:creationId xmlns:a16="http://schemas.microsoft.com/office/drawing/2014/main" id="{645896AE-3AFD-25B9-93A7-82FDCB1384A9}"/>
+                <a16:creationId xmlns:a16="http://schemas.microsoft.com/office/drawing/2014/main" id="{AB7C7880-DA92-4B45-E189-89F896B240FA}"/>
               </a:ext>
             </a:extLst>
           </p:cNvPr>
@@ -434,7 +434,7 @@
           <p:cNvPr id="4" name="日期占位符 3">
             <a:extLst>
               <a:ext uri="{FF2B5EF4-FFF2-40B4-BE49-F238E27FC236}">
-                <a16:creationId xmlns:a16="http://schemas.microsoft.com/office/drawing/2014/main" id="{063464E0-7618-12CF-5896-578F524E6E9E}"/>
+                <a16:creationId xmlns:a16="http://schemas.microsoft.com/office/drawing/2014/main" id="{F007494D-9BAE-6C81-FA35-8F12227A6F26}"/>
               </a:ext>
             </a:extLst>
           </p:cNvPr>
@@ -450,7 +450,7 @@
           <a:bodyPr/>
           <a:lstStyle/>
           <a:p>
-            <a:fld id="{2DBB22E8-62F7-43DC-BCED-150621B028C6}" type="datetimeFigureOut">
+            <a:fld id="{184E7727-B3E3-4024-A683-E7F88A2D4B65}" type="datetimeFigureOut">
               <a:rPr lang="zh-CN" altLang="en-US" smtClean="0"/>
               <a:t>2024/3/10</a:t>
             </a:fld>
@@ -463,7 +463,7 @@
           <p:cNvPr id="5" name="页脚占位符 4">
             <a:extLst>
               <a:ext uri="{FF2B5EF4-FFF2-40B4-BE49-F238E27FC236}">
-                <a16:creationId xmlns:a16="http://schemas.microsoft.com/office/drawing/2014/main" id="{32A77B09-6878-CC35-E319-6576AEB9BE0D}"/>
+                <a16:creationId xmlns:a16="http://schemas.microsoft.com/office/drawing/2014/main" id="{A52A2A64-33C1-1382-674A-F663B6D30158}"/>
               </a:ext>
             </a:extLst>
           </p:cNvPr>
@@ -488,7 +488,7 @@
           <p:cNvPr id="6" name="灯片编号占位符 5">
             <a:extLst>
               <a:ext uri="{FF2B5EF4-FFF2-40B4-BE49-F238E27FC236}">
-                <a16:creationId xmlns:a16="http://schemas.microsoft.com/office/drawing/2014/main" id="{6D51E76D-77D8-027C-8B09-C25D7865A52E}"/>
+                <a16:creationId xmlns:a16="http://schemas.microsoft.com/office/drawing/2014/main" id="{573D2510-8937-90BA-8FB4-E6DF40E6F310}"/>
               </a:ext>
             </a:extLst>
           </p:cNvPr>
@@ -504,7 +504,7 @@
           <a:bodyPr/>
           <a:lstStyle/>
           <a:p>
-            <a:fld id="{275FA975-DADD-4D11-8DD2-30C14DA7F402}" type="slidenum">
+            <a:fld id="{BF330A40-5360-494A-82E8-57E8CB731579}" type="slidenum">
               <a:rPr lang="zh-CN" altLang="en-US" smtClean="0"/>
               <a:t>‹#›</a:t>
             </a:fld>
@@ -515,7 +515,7 @@
     </p:spTree>
     <p:extLst>
       <p:ext uri="{BB962C8B-B14F-4D97-AF65-F5344CB8AC3E}">
-        <p14:creationId xmlns:p14="http://schemas.microsoft.com/office/powerpoint/2010/main" val="380546779"/>
+        <p14:creationId xmlns:p14="http://schemas.microsoft.com/office/powerpoint/2010/main" val="345623581"/>
       </p:ext>
     </p:extLst>
   </p:cSld>
@@ -547,7 +547,7 @@
           <p:cNvPr id="2" name="竖排标题 1">
             <a:extLst>
               <a:ext uri="{FF2B5EF4-FFF2-40B4-BE49-F238E27FC236}">
-                <a16:creationId xmlns:a16="http://schemas.microsoft.com/office/drawing/2014/main" id="{F4682CD3-0871-C7D9-9DBC-2E6144D58BB0}"/>
+                <a16:creationId xmlns:a16="http://schemas.microsoft.com/office/drawing/2014/main" id="{AEF83526-1483-6E33-3C62-C64D381F315A}"/>
               </a:ext>
             </a:extLst>
           </p:cNvPr>
@@ -580,7 +580,7 @@
           <p:cNvPr id="3" name="竖排文字占位符 2">
             <a:extLst>
               <a:ext uri="{FF2B5EF4-FFF2-40B4-BE49-F238E27FC236}">
-                <a16:creationId xmlns:a16="http://schemas.microsoft.com/office/drawing/2014/main" id="{5E824443-1900-2AD5-E971-284217780CAF}"/>
+                <a16:creationId xmlns:a16="http://schemas.microsoft.com/office/drawing/2014/main" id="{203FB2B5-750E-9639-0C4F-6B31CA93D3ED}"/>
               </a:ext>
             </a:extLst>
           </p:cNvPr>
@@ -642,7 +642,7 @@
           <p:cNvPr id="4" name="日期占位符 3">
             <a:extLst>
               <a:ext uri="{FF2B5EF4-FFF2-40B4-BE49-F238E27FC236}">
-                <a16:creationId xmlns:a16="http://schemas.microsoft.com/office/drawing/2014/main" id="{C03A2D4F-BFF4-C95E-C7EB-2C514A1B7206}"/>
+                <a16:creationId xmlns:a16="http://schemas.microsoft.com/office/drawing/2014/main" id="{0BCA3AEF-B6F9-290F-9BF6-3A6835F478FD}"/>
               </a:ext>
             </a:extLst>
           </p:cNvPr>
@@ -658,7 +658,7 @@
           <a:bodyPr/>
           <a:lstStyle/>
           <a:p>
-            <a:fld id="{2DBB22E8-62F7-43DC-BCED-150621B028C6}" type="datetimeFigureOut">
+            <a:fld id="{184E7727-B3E3-4024-A683-E7F88A2D4B65}" type="datetimeFigureOut">
               <a:rPr lang="zh-CN" altLang="en-US" smtClean="0"/>
               <a:t>2024/3/10</a:t>
             </a:fld>
@@ -671,7 +671,7 @@
           <p:cNvPr id="5" name="页脚占位符 4">
             <a:extLst>
               <a:ext uri="{FF2B5EF4-FFF2-40B4-BE49-F238E27FC236}">
-                <a16:creationId xmlns:a16="http://schemas.microsoft.com/office/drawing/2014/main" id="{0D486781-5D62-9066-2425-013D073B6482}"/>
+                <a16:creationId xmlns:a16="http://schemas.microsoft.com/office/drawing/2014/main" id="{D45DDB1A-6CD7-E46C-F77A-1F442E277BE0}"/>
               </a:ext>
             </a:extLst>
           </p:cNvPr>
@@ -696,7 +696,7 @@
           <p:cNvPr id="6" name="灯片编号占位符 5">
             <a:extLst>
               <a:ext uri="{FF2B5EF4-FFF2-40B4-BE49-F238E27FC236}">
-                <a16:creationId xmlns:a16="http://schemas.microsoft.com/office/drawing/2014/main" id="{E7814C08-BA32-7026-7491-1F12E5E55DCA}"/>
+                <a16:creationId xmlns:a16="http://schemas.microsoft.com/office/drawing/2014/main" id="{6BE8C23E-8BEB-EA2E-DA33-46CFA955F11D}"/>
               </a:ext>
             </a:extLst>
           </p:cNvPr>
@@ -712,7 +712,7 @@
           <a:bodyPr/>
           <a:lstStyle/>
           <a:p>
-            <a:fld id="{275FA975-DADD-4D11-8DD2-30C14DA7F402}" type="slidenum">
+            <a:fld id="{BF330A40-5360-494A-82E8-57E8CB731579}" type="slidenum">
               <a:rPr lang="zh-CN" altLang="en-US" smtClean="0"/>
               <a:t>‹#›</a:t>
             </a:fld>
@@ -723,7 +723,7 @@
     </p:spTree>
     <p:extLst>
       <p:ext uri="{BB962C8B-B14F-4D97-AF65-F5344CB8AC3E}">
-        <p14:creationId xmlns:p14="http://schemas.microsoft.com/office/powerpoint/2010/main" val="1925370982"/>
+        <p14:creationId xmlns:p14="http://schemas.microsoft.com/office/powerpoint/2010/main" val="3367441459"/>
       </p:ext>
     </p:extLst>
   </p:cSld>
@@ -755,7 +755,7 @@
           <p:cNvPr id="2" name="标题 1">
             <a:extLst>
               <a:ext uri="{FF2B5EF4-FFF2-40B4-BE49-F238E27FC236}">
-                <a16:creationId xmlns:a16="http://schemas.microsoft.com/office/drawing/2014/main" id="{3D36C12B-5DCA-C80F-1F3D-B9761C283E8E}"/>
+                <a16:creationId xmlns:a16="http://schemas.microsoft.com/office/drawing/2014/main" id="{5FD0DFDC-E1E9-AB49-B328-F99320938B51}"/>
               </a:ext>
             </a:extLst>
           </p:cNvPr>
@@ -783,7 +783,7 @@
           <p:cNvPr id="3" name="内容占位符 2">
             <a:extLst>
               <a:ext uri="{FF2B5EF4-FFF2-40B4-BE49-F238E27FC236}">
-                <a16:creationId xmlns:a16="http://schemas.microsoft.com/office/drawing/2014/main" id="{92FEE021-99B7-95F6-90FE-522CFA4B0ADF}"/>
+                <a16:creationId xmlns:a16="http://schemas.microsoft.com/office/drawing/2014/main" id="{B1172970-B932-43A0-BAA8-3081719FE637}"/>
               </a:ext>
             </a:extLst>
           </p:cNvPr>
@@ -840,7 +840,7 @@
           <p:cNvPr id="4" name="日期占位符 3">
             <a:extLst>
               <a:ext uri="{FF2B5EF4-FFF2-40B4-BE49-F238E27FC236}">
-                <a16:creationId xmlns:a16="http://schemas.microsoft.com/office/drawing/2014/main" id="{8318FB22-EDCF-B2C9-3694-7FD303A2CFB2}"/>
+                <a16:creationId xmlns:a16="http://schemas.microsoft.com/office/drawing/2014/main" id="{E02D5D22-F570-0A5B-E0A3-C0265B6DFEEB}"/>
               </a:ext>
             </a:extLst>
           </p:cNvPr>
@@ -856,7 +856,7 @@
           <a:bodyPr/>
           <a:lstStyle/>
           <a:p>
-            <a:fld id="{2DBB22E8-62F7-43DC-BCED-150621B028C6}" type="datetimeFigureOut">
+            <a:fld id="{184E7727-B3E3-4024-A683-E7F88A2D4B65}" type="datetimeFigureOut">
               <a:rPr lang="zh-CN" altLang="en-US" smtClean="0"/>
               <a:t>2024/3/10</a:t>
             </a:fld>
@@ -869,7 +869,7 @@
           <p:cNvPr id="5" name="页脚占位符 4">
             <a:extLst>
               <a:ext uri="{FF2B5EF4-FFF2-40B4-BE49-F238E27FC236}">
-                <a16:creationId xmlns:a16="http://schemas.microsoft.com/office/drawing/2014/main" id="{3DB16B35-E650-AEE3-29CF-EB2F56B3EC6C}"/>
+                <a16:creationId xmlns:a16="http://schemas.microsoft.com/office/drawing/2014/main" id="{AD9C35D8-2E4D-7D93-D42F-A55A63928E9E}"/>
               </a:ext>
             </a:extLst>
           </p:cNvPr>
@@ -894,7 +894,7 @@
           <p:cNvPr id="6" name="灯片编号占位符 5">
             <a:extLst>
               <a:ext uri="{FF2B5EF4-FFF2-40B4-BE49-F238E27FC236}">
-                <a16:creationId xmlns:a16="http://schemas.microsoft.com/office/drawing/2014/main" id="{E9AD1B4A-954E-1C97-FB75-C9EC6D4FB5AF}"/>
+                <a16:creationId xmlns:a16="http://schemas.microsoft.com/office/drawing/2014/main" id="{FF60F468-588F-1153-ABC9-7C1D254E3553}"/>
               </a:ext>
             </a:extLst>
           </p:cNvPr>
@@ -910,7 +910,7 @@
           <a:bodyPr/>
           <a:lstStyle/>
           <a:p>
-            <a:fld id="{275FA975-DADD-4D11-8DD2-30C14DA7F402}" type="slidenum">
+            <a:fld id="{BF330A40-5360-494A-82E8-57E8CB731579}" type="slidenum">
               <a:rPr lang="zh-CN" altLang="en-US" smtClean="0"/>
               <a:t>‹#›</a:t>
             </a:fld>
@@ -921,7 +921,7 @@
     </p:spTree>
     <p:extLst>
       <p:ext uri="{BB962C8B-B14F-4D97-AF65-F5344CB8AC3E}">
-        <p14:creationId xmlns:p14="http://schemas.microsoft.com/office/powerpoint/2010/main" val="1913804064"/>
+        <p14:creationId xmlns:p14="http://schemas.microsoft.com/office/powerpoint/2010/main" val="1988940855"/>
       </p:ext>
     </p:extLst>
   </p:cSld>
@@ -953,7 +953,7 @@
           <p:cNvPr id="2" name="标题 1">
             <a:extLst>
               <a:ext uri="{FF2B5EF4-FFF2-40B4-BE49-F238E27FC236}">
-                <a16:creationId xmlns:a16="http://schemas.microsoft.com/office/drawing/2014/main" id="{30656A2D-8AB5-57A3-B822-4435E1642058}"/>
+                <a16:creationId xmlns:a16="http://schemas.microsoft.com/office/drawing/2014/main" id="{B2F8D060-DE3B-268E-2A9A-1D805DE6B75E}"/>
               </a:ext>
             </a:extLst>
           </p:cNvPr>
@@ -990,7 +990,7 @@
           <p:cNvPr id="3" name="文本占位符 2">
             <a:extLst>
               <a:ext uri="{FF2B5EF4-FFF2-40B4-BE49-F238E27FC236}">
-                <a16:creationId xmlns:a16="http://schemas.microsoft.com/office/drawing/2014/main" id="{CB96A07E-19C0-C618-C089-C22C432FE7C7}"/>
+                <a16:creationId xmlns:a16="http://schemas.microsoft.com/office/drawing/2014/main" id="{CF956D8D-04B5-DDFF-76D1-AD54F6A3A03A}"/>
               </a:ext>
             </a:extLst>
           </p:cNvPr>
@@ -1115,7 +1115,7 @@
           <p:cNvPr id="4" name="日期占位符 3">
             <a:extLst>
               <a:ext uri="{FF2B5EF4-FFF2-40B4-BE49-F238E27FC236}">
-                <a16:creationId xmlns:a16="http://schemas.microsoft.com/office/drawing/2014/main" id="{8A21995D-7A76-49DF-3670-05B7B0B5E0F7}"/>
+                <a16:creationId xmlns:a16="http://schemas.microsoft.com/office/drawing/2014/main" id="{72079FFF-B4DC-72AB-DE57-7406920512EB}"/>
               </a:ext>
             </a:extLst>
           </p:cNvPr>
@@ -1131,7 +1131,7 @@
           <a:bodyPr/>
           <a:lstStyle/>
           <a:p>
-            <a:fld id="{2DBB22E8-62F7-43DC-BCED-150621B028C6}" type="datetimeFigureOut">
+            <a:fld id="{184E7727-B3E3-4024-A683-E7F88A2D4B65}" type="datetimeFigureOut">
               <a:rPr lang="zh-CN" altLang="en-US" smtClean="0"/>
               <a:t>2024/3/10</a:t>
             </a:fld>
@@ -1144,7 +1144,7 @@
           <p:cNvPr id="5" name="页脚占位符 4">
             <a:extLst>
               <a:ext uri="{FF2B5EF4-FFF2-40B4-BE49-F238E27FC236}">
-                <a16:creationId xmlns:a16="http://schemas.microsoft.com/office/drawing/2014/main" id="{C83CC91F-1256-6EBF-A041-8FA26B8AF684}"/>
+                <a16:creationId xmlns:a16="http://schemas.microsoft.com/office/drawing/2014/main" id="{F907FEF9-019A-8E91-F704-2BF392EF89E3}"/>
               </a:ext>
             </a:extLst>
           </p:cNvPr>
@@ -1169,7 +1169,7 @@
           <p:cNvPr id="6" name="灯片编号占位符 5">
             <a:extLst>
               <a:ext uri="{FF2B5EF4-FFF2-40B4-BE49-F238E27FC236}">
-                <a16:creationId xmlns:a16="http://schemas.microsoft.com/office/drawing/2014/main" id="{CE899C7E-0967-BA90-4E83-9AD7D691905E}"/>
+                <a16:creationId xmlns:a16="http://schemas.microsoft.com/office/drawing/2014/main" id="{C19D2B29-81B0-777D-A0BE-54D7F88215EB}"/>
               </a:ext>
             </a:extLst>
           </p:cNvPr>
@@ -1185,7 +1185,7 @@
           <a:bodyPr/>
           <a:lstStyle/>
           <a:p>
-            <a:fld id="{275FA975-DADD-4D11-8DD2-30C14DA7F402}" type="slidenum">
+            <a:fld id="{BF330A40-5360-494A-82E8-57E8CB731579}" type="slidenum">
               <a:rPr lang="zh-CN" altLang="en-US" smtClean="0"/>
               <a:t>‹#›</a:t>
             </a:fld>
@@ -1196,7 +1196,7 @@
     </p:spTree>
     <p:extLst>
       <p:ext uri="{BB962C8B-B14F-4D97-AF65-F5344CB8AC3E}">
-        <p14:creationId xmlns:p14="http://schemas.microsoft.com/office/powerpoint/2010/main" val="760165636"/>
+        <p14:creationId xmlns:p14="http://schemas.microsoft.com/office/powerpoint/2010/main" val="3061962872"/>
       </p:ext>
     </p:extLst>
   </p:cSld>
@@ -1228,7 +1228,7 @@
           <p:cNvPr id="2" name="标题 1">
             <a:extLst>
               <a:ext uri="{FF2B5EF4-FFF2-40B4-BE49-F238E27FC236}">
-                <a16:creationId xmlns:a16="http://schemas.microsoft.com/office/drawing/2014/main" id="{DC1B62CA-A4BE-9093-28CD-10B4D51276AC}"/>
+                <a16:creationId xmlns:a16="http://schemas.microsoft.com/office/drawing/2014/main" id="{A49FEAF2-743A-8AFA-AF51-E5301DA1AFB4}"/>
               </a:ext>
             </a:extLst>
           </p:cNvPr>
@@ -1256,7 +1256,7 @@
           <p:cNvPr id="3" name="内容占位符 2">
             <a:extLst>
               <a:ext uri="{FF2B5EF4-FFF2-40B4-BE49-F238E27FC236}">
-                <a16:creationId xmlns:a16="http://schemas.microsoft.com/office/drawing/2014/main" id="{47188D13-D279-7392-2EC8-2BA1766F5FE8}"/>
+                <a16:creationId xmlns:a16="http://schemas.microsoft.com/office/drawing/2014/main" id="{8F339FBF-CB57-61B8-46F7-F73BBD82C97F}"/>
               </a:ext>
             </a:extLst>
           </p:cNvPr>
@@ -1318,7 +1318,7 @@
           <p:cNvPr id="4" name="内容占位符 3">
             <a:extLst>
               <a:ext uri="{FF2B5EF4-FFF2-40B4-BE49-F238E27FC236}">
-                <a16:creationId xmlns:a16="http://schemas.microsoft.com/office/drawing/2014/main" id="{FA06C7C4-1D40-65D5-C2AD-73916CB8F3E7}"/>
+                <a16:creationId xmlns:a16="http://schemas.microsoft.com/office/drawing/2014/main" id="{F9C2BD9A-BFBC-01BD-3C9B-B8835A398A82}"/>
               </a:ext>
             </a:extLst>
           </p:cNvPr>
@@ -1380,7 +1380,7 @@
           <p:cNvPr id="5" name="日期占位符 4">
             <a:extLst>
               <a:ext uri="{FF2B5EF4-FFF2-40B4-BE49-F238E27FC236}">
-                <a16:creationId xmlns:a16="http://schemas.microsoft.com/office/drawing/2014/main" id="{4A6713BD-13A9-A7E1-70E5-0F313A217E90}"/>
+                <a16:creationId xmlns:a16="http://schemas.microsoft.com/office/drawing/2014/main" id="{0B9B33AA-62F2-6982-2DFE-762089E15720}"/>
               </a:ext>
             </a:extLst>
           </p:cNvPr>
@@ -1396,7 +1396,7 @@
           <a:bodyPr/>
           <a:lstStyle/>
           <a:p>
-            <a:fld id="{2DBB22E8-62F7-43DC-BCED-150621B028C6}" type="datetimeFigureOut">
+            <a:fld id="{184E7727-B3E3-4024-A683-E7F88A2D4B65}" type="datetimeFigureOut">
               <a:rPr lang="zh-CN" altLang="en-US" smtClean="0"/>
               <a:t>2024/3/10</a:t>
             </a:fld>
@@ -1409,7 +1409,7 @@
           <p:cNvPr id="6" name="页脚占位符 5">
             <a:extLst>
               <a:ext uri="{FF2B5EF4-FFF2-40B4-BE49-F238E27FC236}">
-                <a16:creationId xmlns:a16="http://schemas.microsoft.com/office/drawing/2014/main" id="{9A9320B4-293F-838F-330B-B976E71FE6F9}"/>
+                <a16:creationId xmlns:a16="http://schemas.microsoft.com/office/drawing/2014/main" id="{BF646BA9-42EB-6630-1DB7-4F515A2782C9}"/>
               </a:ext>
             </a:extLst>
           </p:cNvPr>
@@ -1434,7 +1434,7 @@
           <p:cNvPr id="7" name="灯片编号占位符 6">
             <a:extLst>
               <a:ext uri="{FF2B5EF4-FFF2-40B4-BE49-F238E27FC236}">
-                <a16:creationId xmlns:a16="http://schemas.microsoft.com/office/drawing/2014/main" id="{31FCCA80-3473-745B-14D3-BD0BF4BF2E37}"/>
+                <a16:creationId xmlns:a16="http://schemas.microsoft.com/office/drawing/2014/main" id="{ED627220-C9C2-C4CF-93A0-F8C2F0D366A3}"/>
               </a:ext>
             </a:extLst>
           </p:cNvPr>
@@ -1450,7 +1450,7 @@
           <a:bodyPr/>
           <a:lstStyle/>
           <a:p>
-            <a:fld id="{275FA975-DADD-4D11-8DD2-30C14DA7F402}" type="slidenum">
+            <a:fld id="{BF330A40-5360-494A-82E8-57E8CB731579}" type="slidenum">
               <a:rPr lang="zh-CN" altLang="en-US" smtClean="0"/>
               <a:t>‹#›</a:t>
             </a:fld>
@@ -1461,7 +1461,7 @@
     </p:spTree>
     <p:extLst>
       <p:ext uri="{BB962C8B-B14F-4D97-AF65-F5344CB8AC3E}">
-        <p14:creationId xmlns:p14="http://schemas.microsoft.com/office/powerpoint/2010/main" val="3558617336"/>
+        <p14:creationId xmlns:p14="http://schemas.microsoft.com/office/powerpoint/2010/main" val="2082330407"/>
       </p:ext>
     </p:extLst>
   </p:cSld>
@@ -1493,7 +1493,7 @@
           <p:cNvPr id="2" name="标题 1">
             <a:extLst>
               <a:ext uri="{FF2B5EF4-FFF2-40B4-BE49-F238E27FC236}">
-                <a16:creationId xmlns:a16="http://schemas.microsoft.com/office/drawing/2014/main" id="{90DDA245-33B2-33C4-F64D-EDE6B59C5316}"/>
+                <a16:creationId xmlns:a16="http://schemas.microsoft.com/office/drawing/2014/main" id="{FC6B9227-1A1C-91B7-D0D7-285595C5302C}"/>
               </a:ext>
             </a:extLst>
           </p:cNvPr>
@@ -1526,7 +1526,7 @@
           <p:cNvPr id="3" name="文本占位符 2">
             <a:extLst>
               <a:ext uri="{FF2B5EF4-FFF2-40B4-BE49-F238E27FC236}">
-                <a16:creationId xmlns:a16="http://schemas.microsoft.com/office/drawing/2014/main" id="{95B6C998-772D-CA91-F525-D5CD8BA9F513}"/>
+                <a16:creationId xmlns:a16="http://schemas.microsoft.com/office/drawing/2014/main" id="{EC2074FC-174A-4689-5EAE-C92BB7CA77D0}"/>
               </a:ext>
             </a:extLst>
           </p:cNvPr>
@@ -1597,7 +1597,7 @@
           <p:cNvPr id="4" name="内容占位符 3">
             <a:extLst>
               <a:ext uri="{FF2B5EF4-FFF2-40B4-BE49-F238E27FC236}">
-                <a16:creationId xmlns:a16="http://schemas.microsoft.com/office/drawing/2014/main" id="{DAE2619B-27FA-0400-F329-4E7B301B1153}"/>
+                <a16:creationId xmlns:a16="http://schemas.microsoft.com/office/drawing/2014/main" id="{079BB0FB-1C19-50DF-ABF8-594E0F93A088}"/>
               </a:ext>
             </a:extLst>
           </p:cNvPr>
@@ -1659,7 +1659,7 @@
           <p:cNvPr id="5" name="文本占位符 4">
             <a:extLst>
               <a:ext uri="{FF2B5EF4-FFF2-40B4-BE49-F238E27FC236}">
-                <a16:creationId xmlns:a16="http://schemas.microsoft.com/office/drawing/2014/main" id="{1F103B8C-FA10-3E34-12FC-D1D0D0AE7973}"/>
+                <a16:creationId xmlns:a16="http://schemas.microsoft.com/office/drawing/2014/main" id="{31E9A173-B63E-20D8-5822-F945D569162D}"/>
               </a:ext>
             </a:extLst>
           </p:cNvPr>
@@ -1730,7 +1730,7 @@
           <p:cNvPr id="6" name="内容占位符 5">
             <a:extLst>
               <a:ext uri="{FF2B5EF4-FFF2-40B4-BE49-F238E27FC236}">
-                <a16:creationId xmlns:a16="http://schemas.microsoft.com/office/drawing/2014/main" id="{974290CC-4460-8F38-276C-B264E82B9E31}"/>
+                <a16:creationId xmlns:a16="http://schemas.microsoft.com/office/drawing/2014/main" id="{94AC435C-D43C-D6BE-D925-612F4534D0AE}"/>
               </a:ext>
             </a:extLst>
           </p:cNvPr>
@@ -1792,7 +1792,7 @@
           <p:cNvPr id="7" name="日期占位符 6">
             <a:extLst>
               <a:ext uri="{FF2B5EF4-FFF2-40B4-BE49-F238E27FC236}">
-                <a16:creationId xmlns:a16="http://schemas.microsoft.com/office/drawing/2014/main" id="{7EAB5CB4-6985-8D8A-9163-4A254A392999}"/>
+                <a16:creationId xmlns:a16="http://schemas.microsoft.com/office/drawing/2014/main" id="{5D68A471-6EC9-67D1-A6D4-6CDFDA87DD21}"/>
               </a:ext>
             </a:extLst>
           </p:cNvPr>
@@ -1808,7 +1808,7 @@
           <a:bodyPr/>
           <a:lstStyle/>
           <a:p>
-            <a:fld id="{2DBB22E8-62F7-43DC-BCED-150621B028C6}" type="datetimeFigureOut">
+            <a:fld id="{184E7727-B3E3-4024-A683-E7F88A2D4B65}" type="datetimeFigureOut">
               <a:rPr lang="zh-CN" altLang="en-US" smtClean="0"/>
               <a:t>2024/3/10</a:t>
             </a:fld>
@@ -1821,7 +1821,7 @@
           <p:cNvPr id="8" name="页脚占位符 7">
             <a:extLst>
               <a:ext uri="{FF2B5EF4-FFF2-40B4-BE49-F238E27FC236}">
-                <a16:creationId xmlns:a16="http://schemas.microsoft.com/office/drawing/2014/main" id="{0AC47803-71A2-1A5B-13FA-03B0549F7928}"/>
+                <a16:creationId xmlns:a16="http://schemas.microsoft.com/office/drawing/2014/main" id="{624EC906-9885-0A6D-460B-72A3FDE08236}"/>
               </a:ext>
             </a:extLst>
           </p:cNvPr>
@@ -1846,7 +1846,7 @@
           <p:cNvPr id="9" name="灯片编号占位符 8">
             <a:extLst>
               <a:ext uri="{FF2B5EF4-FFF2-40B4-BE49-F238E27FC236}">
-                <a16:creationId xmlns:a16="http://schemas.microsoft.com/office/drawing/2014/main" id="{D74E4029-EA6C-932F-6ABE-F58B28D96B5B}"/>
+                <a16:creationId xmlns:a16="http://schemas.microsoft.com/office/drawing/2014/main" id="{6B66C3F9-9D72-7CE6-B8F4-08531B4C598A}"/>
               </a:ext>
             </a:extLst>
           </p:cNvPr>
@@ -1862,7 +1862,7 @@
           <a:bodyPr/>
           <a:lstStyle/>
           <a:p>
-            <a:fld id="{275FA975-DADD-4D11-8DD2-30C14DA7F402}" type="slidenum">
+            <a:fld id="{BF330A40-5360-494A-82E8-57E8CB731579}" type="slidenum">
               <a:rPr lang="zh-CN" altLang="en-US" smtClean="0"/>
               <a:t>‹#›</a:t>
             </a:fld>
@@ -1873,7 +1873,7 @@
     </p:spTree>
     <p:extLst>
       <p:ext uri="{BB962C8B-B14F-4D97-AF65-F5344CB8AC3E}">
-        <p14:creationId xmlns:p14="http://schemas.microsoft.com/office/powerpoint/2010/main" val="3399500935"/>
+        <p14:creationId xmlns:p14="http://schemas.microsoft.com/office/powerpoint/2010/main" val="421237376"/>
       </p:ext>
     </p:extLst>
   </p:cSld>
@@ -1905,7 +1905,7 @@
           <p:cNvPr id="2" name="标题 1">
             <a:extLst>
               <a:ext uri="{FF2B5EF4-FFF2-40B4-BE49-F238E27FC236}">
-                <a16:creationId xmlns:a16="http://schemas.microsoft.com/office/drawing/2014/main" id="{DF49EA5D-B278-2EB6-0C72-CF15CBF636C5}"/>
+                <a16:creationId xmlns:a16="http://schemas.microsoft.com/office/drawing/2014/main" id="{901F74CB-1233-3C40-0AF6-7806EB14B502}"/>
               </a:ext>
             </a:extLst>
           </p:cNvPr>
@@ -1933,7 +1933,7 @@
           <p:cNvPr id="3" name="日期占位符 2">
             <a:extLst>
               <a:ext uri="{FF2B5EF4-FFF2-40B4-BE49-F238E27FC236}">
-                <a16:creationId xmlns:a16="http://schemas.microsoft.com/office/drawing/2014/main" id="{31A8306D-F8D5-5286-69E6-EAA67AE4A42E}"/>
+                <a16:creationId xmlns:a16="http://schemas.microsoft.com/office/drawing/2014/main" id="{0B5E4529-D44B-AD3A-6952-EF05232B7F4B}"/>
               </a:ext>
             </a:extLst>
           </p:cNvPr>
@@ -1949,7 +1949,7 @@
           <a:bodyPr/>
           <a:lstStyle/>
           <a:p>
-            <a:fld id="{2DBB22E8-62F7-43DC-BCED-150621B028C6}" type="datetimeFigureOut">
+            <a:fld id="{184E7727-B3E3-4024-A683-E7F88A2D4B65}" type="datetimeFigureOut">
               <a:rPr lang="zh-CN" altLang="en-US" smtClean="0"/>
               <a:t>2024/3/10</a:t>
             </a:fld>
@@ -1962,7 +1962,7 @@
           <p:cNvPr id="4" name="页脚占位符 3">
             <a:extLst>
               <a:ext uri="{FF2B5EF4-FFF2-40B4-BE49-F238E27FC236}">
-                <a16:creationId xmlns:a16="http://schemas.microsoft.com/office/drawing/2014/main" id="{D239749E-6C72-2F47-51A6-25AABBAC45D0}"/>
+                <a16:creationId xmlns:a16="http://schemas.microsoft.com/office/drawing/2014/main" id="{E2C06E58-9C3E-B998-0357-468D2BC7B3E9}"/>
               </a:ext>
             </a:extLst>
           </p:cNvPr>
@@ -1987,7 +1987,7 @@
           <p:cNvPr id="5" name="灯片编号占位符 4">
             <a:extLst>
               <a:ext uri="{FF2B5EF4-FFF2-40B4-BE49-F238E27FC236}">
-                <a16:creationId xmlns:a16="http://schemas.microsoft.com/office/drawing/2014/main" id="{4E391C10-203F-661B-BD76-5743E88AAC96}"/>
+                <a16:creationId xmlns:a16="http://schemas.microsoft.com/office/drawing/2014/main" id="{B010A157-A84F-9F85-48D6-DCC96E41D78E}"/>
               </a:ext>
             </a:extLst>
           </p:cNvPr>
@@ -2003,7 +2003,7 @@
           <a:bodyPr/>
           <a:lstStyle/>
           <a:p>
-            <a:fld id="{275FA975-DADD-4D11-8DD2-30C14DA7F402}" type="slidenum">
+            <a:fld id="{BF330A40-5360-494A-82E8-57E8CB731579}" type="slidenum">
               <a:rPr lang="zh-CN" altLang="en-US" smtClean="0"/>
               <a:t>‹#›</a:t>
             </a:fld>
@@ -2014,7 +2014,7 @@
     </p:spTree>
     <p:extLst>
       <p:ext uri="{BB962C8B-B14F-4D97-AF65-F5344CB8AC3E}">
-        <p14:creationId xmlns:p14="http://schemas.microsoft.com/office/powerpoint/2010/main" val="1280933596"/>
+        <p14:creationId xmlns:p14="http://schemas.microsoft.com/office/powerpoint/2010/main" val="1176851199"/>
       </p:ext>
     </p:extLst>
   </p:cSld>
@@ -2046,7 +2046,7 @@
           <p:cNvPr id="2" name="日期占位符 1">
             <a:extLst>
               <a:ext uri="{FF2B5EF4-FFF2-40B4-BE49-F238E27FC236}">
-                <a16:creationId xmlns:a16="http://schemas.microsoft.com/office/drawing/2014/main" id="{D8E8B7BC-8A85-4CBD-71E5-D6D8CC7B91CB}"/>
+                <a16:creationId xmlns:a16="http://schemas.microsoft.com/office/drawing/2014/main" id="{B54DA8D8-DA4F-068B-73BA-D8CC868EF484}"/>
               </a:ext>
             </a:extLst>
           </p:cNvPr>
@@ -2062,7 +2062,7 @@
           <a:bodyPr/>
           <a:lstStyle/>
           <a:p>
-            <a:fld id="{2DBB22E8-62F7-43DC-BCED-150621B028C6}" type="datetimeFigureOut">
+            <a:fld id="{184E7727-B3E3-4024-A683-E7F88A2D4B65}" type="datetimeFigureOut">
               <a:rPr lang="zh-CN" altLang="en-US" smtClean="0"/>
               <a:t>2024/3/10</a:t>
             </a:fld>
@@ -2075,7 +2075,7 @@
           <p:cNvPr id="3" name="页脚占位符 2">
             <a:extLst>
               <a:ext uri="{FF2B5EF4-FFF2-40B4-BE49-F238E27FC236}">
-                <a16:creationId xmlns:a16="http://schemas.microsoft.com/office/drawing/2014/main" id="{B2CB8DCB-33C5-9626-6164-C0A5344D6328}"/>
+                <a16:creationId xmlns:a16="http://schemas.microsoft.com/office/drawing/2014/main" id="{C9BAAD3C-E482-5CF4-7CF2-17C025F6096D}"/>
               </a:ext>
             </a:extLst>
           </p:cNvPr>
@@ -2100,7 +2100,7 @@
           <p:cNvPr id="4" name="灯片编号占位符 3">
             <a:extLst>
               <a:ext uri="{FF2B5EF4-FFF2-40B4-BE49-F238E27FC236}">
-                <a16:creationId xmlns:a16="http://schemas.microsoft.com/office/drawing/2014/main" id="{45D0CA53-D998-F6F3-C1D5-5893B73E1588}"/>
+                <a16:creationId xmlns:a16="http://schemas.microsoft.com/office/drawing/2014/main" id="{E1412F9D-28E1-3369-7236-26B76BED641D}"/>
               </a:ext>
             </a:extLst>
           </p:cNvPr>
@@ -2116,7 +2116,7 @@
           <a:bodyPr/>
           <a:lstStyle/>
           <a:p>
-            <a:fld id="{275FA975-DADD-4D11-8DD2-30C14DA7F402}" type="slidenum">
+            <a:fld id="{BF330A40-5360-494A-82E8-57E8CB731579}" type="slidenum">
               <a:rPr lang="zh-CN" altLang="en-US" smtClean="0"/>
               <a:t>‹#›</a:t>
             </a:fld>
@@ -2127,7 +2127,7 @@
     </p:spTree>
     <p:extLst>
       <p:ext uri="{BB962C8B-B14F-4D97-AF65-F5344CB8AC3E}">
-        <p14:creationId xmlns:p14="http://schemas.microsoft.com/office/powerpoint/2010/main" val="995799706"/>
+        <p14:creationId xmlns:p14="http://schemas.microsoft.com/office/powerpoint/2010/main" val="3783764030"/>
       </p:ext>
     </p:extLst>
   </p:cSld>
@@ -2159,7 +2159,7 @@
           <p:cNvPr id="2" name="标题 1">
             <a:extLst>
               <a:ext uri="{FF2B5EF4-FFF2-40B4-BE49-F238E27FC236}">
-                <a16:creationId xmlns:a16="http://schemas.microsoft.com/office/drawing/2014/main" id="{2169A1F1-CE76-8E3A-7666-5BA4F7A5CB6D}"/>
+                <a16:creationId xmlns:a16="http://schemas.microsoft.com/office/drawing/2014/main" id="{AB1BF788-E8DD-174A-0DCD-C88F68F4973D}"/>
               </a:ext>
             </a:extLst>
           </p:cNvPr>
@@ -2196,7 +2196,7 @@
           <p:cNvPr id="3" name="内容占位符 2">
             <a:extLst>
               <a:ext uri="{FF2B5EF4-FFF2-40B4-BE49-F238E27FC236}">
-                <a16:creationId xmlns:a16="http://schemas.microsoft.com/office/drawing/2014/main" id="{3FFF18E0-3D10-A949-EF4B-D53081F8BEEC}"/>
+                <a16:creationId xmlns:a16="http://schemas.microsoft.com/office/drawing/2014/main" id="{9EC02F8D-352B-B9DA-D9CF-9C4E6B04A756}"/>
               </a:ext>
             </a:extLst>
           </p:cNvPr>
@@ -2286,7 +2286,7 @@
           <p:cNvPr id="4" name="文本占位符 3">
             <a:extLst>
               <a:ext uri="{FF2B5EF4-FFF2-40B4-BE49-F238E27FC236}">
-                <a16:creationId xmlns:a16="http://schemas.microsoft.com/office/drawing/2014/main" id="{8343AF2C-B388-C4E4-9F67-80BDF33E4E36}"/>
+                <a16:creationId xmlns:a16="http://schemas.microsoft.com/office/drawing/2014/main" id="{F327BC89-F3B5-17D3-18D3-D7D95951F079}"/>
               </a:ext>
             </a:extLst>
           </p:cNvPr>
@@ -2357,7 +2357,7 @@
           <p:cNvPr id="5" name="日期占位符 4">
             <a:extLst>
               <a:ext uri="{FF2B5EF4-FFF2-40B4-BE49-F238E27FC236}">
-                <a16:creationId xmlns:a16="http://schemas.microsoft.com/office/drawing/2014/main" id="{955681B9-C5A7-AC63-2129-953786E3A907}"/>
+                <a16:creationId xmlns:a16="http://schemas.microsoft.com/office/drawing/2014/main" id="{8EB9584E-C1E1-36B8-4384-96DF994E08FB}"/>
               </a:ext>
             </a:extLst>
           </p:cNvPr>
@@ -2373,7 +2373,7 @@
           <a:bodyPr/>
           <a:lstStyle/>
           <a:p>
-            <a:fld id="{2DBB22E8-62F7-43DC-BCED-150621B028C6}" type="datetimeFigureOut">
+            <a:fld id="{184E7727-B3E3-4024-A683-E7F88A2D4B65}" type="datetimeFigureOut">
               <a:rPr lang="zh-CN" altLang="en-US" smtClean="0"/>
               <a:t>2024/3/10</a:t>
             </a:fld>
@@ -2386,7 +2386,7 @@
           <p:cNvPr id="6" name="页脚占位符 5">
             <a:extLst>
               <a:ext uri="{FF2B5EF4-FFF2-40B4-BE49-F238E27FC236}">
-                <a16:creationId xmlns:a16="http://schemas.microsoft.com/office/drawing/2014/main" id="{CBF08B1B-C0D3-F1DF-937E-BDC5A7B0305D}"/>
+                <a16:creationId xmlns:a16="http://schemas.microsoft.com/office/drawing/2014/main" id="{903C4729-BB6D-005A-9A51-87387D700281}"/>
               </a:ext>
             </a:extLst>
           </p:cNvPr>
@@ -2411,7 +2411,7 @@
           <p:cNvPr id="7" name="灯片编号占位符 6">
             <a:extLst>
               <a:ext uri="{FF2B5EF4-FFF2-40B4-BE49-F238E27FC236}">
-                <a16:creationId xmlns:a16="http://schemas.microsoft.com/office/drawing/2014/main" id="{BF801242-985D-0994-4EC4-4792B14E8054}"/>
+                <a16:creationId xmlns:a16="http://schemas.microsoft.com/office/drawing/2014/main" id="{F2CA407B-91E8-0042-2FA2-BC753EB90E20}"/>
               </a:ext>
             </a:extLst>
           </p:cNvPr>
@@ -2427,7 +2427,7 @@
           <a:bodyPr/>
           <a:lstStyle/>
           <a:p>
-            <a:fld id="{275FA975-DADD-4D11-8DD2-30C14DA7F402}" type="slidenum">
+            <a:fld id="{BF330A40-5360-494A-82E8-57E8CB731579}" type="slidenum">
               <a:rPr lang="zh-CN" altLang="en-US" smtClean="0"/>
               <a:t>‹#›</a:t>
             </a:fld>
@@ -2438,7 +2438,7 @@
     </p:spTree>
     <p:extLst>
       <p:ext uri="{BB962C8B-B14F-4D97-AF65-F5344CB8AC3E}">
-        <p14:creationId xmlns:p14="http://schemas.microsoft.com/office/powerpoint/2010/main" val="1075551890"/>
+        <p14:creationId xmlns:p14="http://schemas.microsoft.com/office/powerpoint/2010/main" val="1173951021"/>
       </p:ext>
     </p:extLst>
   </p:cSld>
@@ -2470,7 +2470,7 @@
           <p:cNvPr id="2" name="标题 1">
             <a:extLst>
               <a:ext uri="{FF2B5EF4-FFF2-40B4-BE49-F238E27FC236}">
-                <a16:creationId xmlns:a16="http://schemas.microsoft.com/office/drawing/2014/main" id="{6E38CF4B-2CCD-1A90-D027-CA22C291AFB5}"/>
+                <a16:creationId xmlns:a16="http://schemas.microsoft.com/office/drawing/2014/main" id="{8F98A384-DAA5-D7D8-5C2F-1204F6AFD1C9}"/>
               </a:ext>
             </a:extLst>
           </p:cNvPr>
@@ -2507,7 +2507,7 @@
           <p:cNvPr id="3" name="图片占位符 2">
             <a:extLst>
               <a:ext uri="{FF2B5EF4-FFF2-40B4-BE49-F238E27FC236}">
-                <a16:creationId xmlns:a16="http://schemas.microsoft.com/office/drawing/2014/main" id="{721F2BAE-CE87-2A89-D368-4CB10C778469}"/>
+                <a16:creationId xmlns:a16="http://schemas.microsoft.com/office/drawing/2014/main" id="{9BFE3F03-BBA6-D6A1-424E-6DF635A86C2C}"/>
               </a:ext>
             </a:extLst>
           </p:cNvPr>
@@ -2574,7 +2574,7 @@
           <p:cNvPr id="4" name="文本占位符 3">
             <a:extLst>
               <a:ext uri="{FF2B5EF4-FFF2-40B4-BE49-F238E27FC236}">
-                <a16:creationId xmlns:a16="http://schemas.microsoft.com/office/drawing/2014/main" id="{F8B0E3DB-B685-1D96-5503-F7BD0E6008BF}"/>
+                <a16:creationId xmlns:a16="http://schemas.microsoft.com/office/drawing/2014/main" id="{08CD34B5-3FEC-0848-12C0-377109699A13}"/>
               </a:ext>
             </a:extLst>
           </p:cNvPr>
@@ -2645,7 +2645,7 @@
           <p:cNvPr id="5" name="日期占位符 4">
             <a:extLst>
               <a:ext uri="{FF2B5EF4-FFF2-40B4-BE49-F238E27FC236}">
-                <a16:creationId xmlns:a16="http://schemas.microsoft.com/office/drawing/2014/main" id="{DABAE6FC-720A-7DCA-D9F5-0F38C69B39AB}"/>
+                <a16:creationId xmlns:a16="http://schemas.microsoft.com/office/drawing/2014/main" id="{849DD304-4AB9-E1A6-0453-421621E0924C}"/>
               </a:ext>
             </a:extLst>
           </p:cNvPr>
@@ -2661,7 +2661,7 @@
           <a:bodyPr/>
           <a:lstStyle/>
           <a:p>
-            <a:fld id="{2DBB22E8-62F7-43DC-BCED-150621B028C6}" type="datetimeFigureOut">
+            <a:fld id="{184E7727-B3E3-4024-A683-E7F88A2D4B65}" type="datetimeFigureOut">
               <a:rPr lang="zh-CN" altLang="en-US" smtClean="0"/>
               <a:t>2024/3/10</a:t>
             </a:fld>
@@ -2674,7 +2674,7 @@
           <p:cNvPr id="6" name="页脚占位符 5">
             <a:extLst>
               <a:ext uri="{FF2B5EF4-FFF2-40B4-BE49-F238E27FC236}">
-                <a16:creationId xmlns:a16="http://schemas.microsoft.com/office/drawing/2014/main" id="{A1956943-3B21-36EE-1F22-3832385BE421}"/>
+                <a16:creationId xmlns:a16="http://schemas.microsoft.com/office/drawing/2014/main" id="{570B1F05-DE74-BE3D-6890-9D4A1A35BB82}"/>
               </a:ext>
             </a:extLst>
           </p:cNvPr>
@@ -2699,7 +2699,7 @@
           <p:cNvPr id="7" name="灯片编号占位符 6">
             <a:extLst>
               <a:ext uri="{FF2B5EF4-FFF2-40B4-BE49-F238E27FC236}">
-                <a16:creationId xmlns:a16="http://schemas.microsoft.com/office/drawing/2014/main" id="{46CF52E5-2ED5-3943-25DE-61BD0358C7ED}"/>
+                <a16:creationId xmlns:a16="http://schemas.microsoft.com/office/drawing/2014/main" id="{5A469854-7682-9F25-A47C-FFEEF544301B}"/>
               </a:ext>
             </a:extLst>
           </p:cNvPr>
@@ -2715,7 +2715,7 @@
           <a:bodyPr/>
           <a:lstStyle/>
           <a:p>
-            <a:fld id="{275FA975-DADD-4D11-8DD2-30C14DA7F402}" type="slidenum">
+            <a:fld id="{BF330A40-5360-494A-82E8-57E8CB731579}" type="slidenum">
               <a:rPr lang="zh-CN" altLang="en-US" smtClean="0"/>
               <a:t>‹#›</a:t>
             </a:fld>
@@ -2726,7 +2726,7 @@
     </p:spTree>
     <p:extLst>
       <p:ext uri="{BB962C8B-B14F-4D97-AF65-F5344CB8AC3E}">
-        <p14:creationId xmlns:p14="http://schemas.microsoft.com/office/powerpoint/2010/main" val="1073016420"/>
+        <p14:creationId xmlns:p14="http://schemas.microsoft.com/office/powerpoint/2010/main" val="2915611818"/>
       </p:ext>
     </p:extLst>
   </p:cSld>
@@ -2763,7 +2763,7 @@
           <p:cNvPr id="2" name="标题占位符 1">
             <a:extLst>
               <a:ext uri="{FF2B5EF4-FFF2-40B4-BE49-F238E27FC236}">
-                <a16:creationId xmlns:a16="http://schemas.microsoft.com/office/drawing/2014/main" id="{211E4CE9-8636-E198-EF89-E8C410EA59DF}"/>
+                <a16:creationId xmlns:a16="http://schemas.microsoft.com/office/drawing/2014/main" id="{20E1D451-7DD2-C738-8C56-092103F64CEE}"/>
               </a:ext>
             </a:extLst>
           </p:cNvPr>
@@ -2801,7 +2801,7 @@
           <p:cNvPr id="3" name="文本占位符 2">
             <a:extLst>
               <a:ext uri="{FF2B5EF4-FFF2-40B4-BE49-F238E27FC236}">
-                <a16:creationId xmlns:a16="http://schemas.microsoft.com/office/drawing/2014/main" id="{189AFC25-AE52-DC2B-B181-22A2CC0F64EE}"/>
+                <a16:creationId xmlns:a16="http://schemas.microsoft.com/office/drawing/2014/main" id="{7B8F6184-1582-F10F-DDC5-DD96CBECBF1D}"/>
               </a:ext>
             </a:extLst>
           </p:cNvPr>
@@ -2868,7 +2868,7 @@
           <p:cNvPr id="4" name="日期占位符 3">
             <a:extLst>
               <a:ext uri="{FF2B5EF4-FFF2-40B4-BE49-F238E27FC236}">
-                <a16:creationId xmlns:a16="http://schemas.microsoft.com/office/drawing/2014/main" id="{5C3381FE-D93D-1DF7-612E-EB56B35E4321}"/>
+                <a16:creationId xmlns:a16="http://schemas.microsoft.com/office/drawing/2014/main" id="{EFF963BD-4DE4-6D5D-9AF1-6F889183837D}"/>
               </a:ext>
             </a:extLst>
           </p:cNvPr>
@@ -2902,7 +2902,7 @@
             </a:lvl1pPr>
           </a:lstStyle>
           <a:p>
-            <a:fld id="{2DBB22E8-62F7-43DC-BCED-150621B028C6}" type="datetimeFigureOut">
+            <a:fld id="{184E7727-B3E3-4024-A683-E7F88A2D4B65}" type="datetimeFigureOut">
               <a:rPr lang="zh-CN" altLang="en-US" smtClean="0"/>
               <a:t>2024/3/10</a:t>
             </a:fld>
@@ -2915,7 +2915,7 @@
           <p:cNvPr id="5" name="页脚占位符 4">
             <a:extLst>
               <a:ext uri="{FF2B5EF4-FFF2-40B4-BE49-F238E27FC236}">
-                <a16:creationId xmlns:a16="http://schemas.microsoft.com/office/drawing/2014/main" id="{C94B04F1-3A46-BA20-3D24-0EDAF76D65DB}"/>
+                <a16:creationId xmlns:a16="http://schemas.microsoft.com/office/drawing/2014/main" id="{53143EEE-37C2-9EB2-69C3-9AF1C8EF4D1A}"/>
               </a:ext>
             </a:extLst>
           </p:cNvPr>
@@ -2958,7 +2958,7 @@
           <p:cNvPr id="6" name="灯片编号占位符 5">
             <a:extLst>
               <a:ext uri="{FF2B5EF4-FFF2-40B4-BE49-F238E27FC236}">
-                <a16:creationId xmlns:a16="http://schemas.microsoft.com/office/drawing/2014/main" id="{D3A99EF6-70A0-CCB2-1EA9-B1800048C908}"/>
+                <a16:creationId xmlns:a16="http://schemas.microsoft.com/office/drawing/2014/main" id="{E2EC5DA0-F9B9-778B-FC2A-CFFE55C47726}"/>
               </a:ext>
             </a:extLst>
           </p:cNvPr>
@@ -2992,7 +2992,7 @@
             </a:lvl1pPr>
           </a:lstStyle>
           <a:p>
-            <a:fld id="{275FA975-DADD-4D11-8DD2-30C14DA7F402}" type="slidenum">
+            <a:fld id="{BF330A40-5360-494A-82E8-57E8CB731579}" type="slidenum">
               <a:rPr lang="zh-CN" altLang="en-US" smtClean="0"/>
               <a:t>‹#›</a:t>
             </a:fld>
@@ -3003,7 +3003,7 @@
     </p:spTree>
     <p:extLst>
       <p:ext uri="{BB962C8B-B14F-4D97-AF65-F5344CB8AC3E}">
-        <p14:creationId xmlns:p14="http://schemas.microsoft.com/office/powerpoint/2010/main" val="1764046944"/>
+        <p14:creationId xmlns:p14="http://schemas.microsoft.com/office/powerpoint/2010/main" val="481613296"/>
       </p:ext>
     </p:extLst>
   </p:cSld>
@@ -3323,7 +3323,7 @@
       </p:grpSpPr>
       <p:pic>
         <p:nvPicPr>
-          <p:cNvPr id="296962" name="Picture 2" descr="289"/>
+          <p:cNvPr id="297986" name="Picture 2" descr="290"/>
           <p:cNvPicPr>
             <a:picLocks noChangeAspect="1" noChangeArrowheads="1"/>
           </p:cNvPicPr>
@@ -3377,7 +3377,7 @@
       </p:pic>
       <p:pic>
         <p:nvPicPr>
-          <p:cNvPr id="297987" name="Picture 3" descr="289-2"/>
+          <p:cNvPr id="299011" name="Picture 3" descr="290-2"/>
           <p:cNvPicPr>
             <a:picLocks noChangeAspect="1" noChangeArrowheads="1"/>
           </p:cNvPicPr>
@@ -3478,7 +3478,7 @@
                                           </p:stCondLst>
                                         </p:cTn>
                                         <p:tgtEl>
-                                          <p:spTgt spid="297987"/>
+                                          <p:spTgt spid="299011"/>
                                         </p:tgtEl>
                                         <p:attrNameLst>
                                           <p:attrName>style.visibility</p:attrName>
@@ -3492,7 +3492,7 @@
                                       <p:cBhvr>
                                         <p:cTn id="7" dur="500"/>
                                         <p:tgtEl>
-                                          <p:spTgt spid="297987"/>
+                                          <p:spTgt spid="299011"/>
                                         </p:tgtEl>
                                       </p:cBhvr>
                                     </p:animEffect>
